--- a/03 Procesos.pptx
+++ b/03 Procesos.pptx
@@ -5,13 +5,13 @@
     <p:sldMasterId id="2147483648" r:id="rId1"/>
   </p:sldMasterIdLst>
   <p:sldIdLst>
-    <p:sldId id="256" r:id="rId2"/>
+    <p:sldId id="266" r:id="rId2"/>
     <p:sldId id="260" r:id="rId3"/>
     <p:sldId id="261" r:id="rId4"/>
-    <p:sldId id="258" r:id="rId5"/>
-    <p:sldId id="262" r:id="rId6"/>
-    <p:sldId id="259" r:id="rId7"/>
-    <p:sldId id="263" r:id="rId8"/>
+    <p:sldId id="263" r:id="rId5"/>
+    <p:sldId id="258" r:id="rId6"/>
+    <p:sldId id="262" r:id="rId7"/>
+    <p:sldId id="259" r:id="rId8"/>
     <p:sldId id="264" r:id="rId9"/>
     <p:sldId id="265" r:id="rId10"/>
   </p:sldIdLst>
@@ -120,6 +120,49 @@
 </p:presentation>
 </file>
 
+<file path=ppt/revisionInfo.xml><?xml version="1.0" encoding="utf-8"?>
+<p1510:revInfo xmlns:a="http://schemas.openxmlformats.org/drawingml/2006/main" xmlns:r="http://schemas.openxmlformats.org/officeDocument/2006/relationships" xmlns:p1510="http://schemas.microsoft.com/office/powerpoint/2015/10/main">
+  <p1510:revLst>
+    <p1510:client id="{7D314719-0E71-4698-8C23-E35869B206CD}" v="1" dt="2022-02-21T18:52:41.867"/>
+  </p1510:revLst>
+</p1510:revInfo>
+</file>
+
+<file path=ppt/changesInfos/changesInfo1.xml><?xml version="1.0" encoding="utf-8"?>
+<pc:chgInfo xmlns:a="http://schemas.openxmlformats.org/drawingml/2006/main" xmlns:r="http://schemas.openxmlformats.org/officeDocument/2006/relationships" xmlns:ac="http://schemas.microsoft.com/office/drawing/2013/main/command" xmlns:pc="http://schemas.microsoft.com/office/powerpoint/2013/main/command">
+  <pc:docChgLst>
+    <pc:chgData name="JUAN JOSE IBARRA" userId="bf24e59b0a992481" providerId="LiveId" clId="{7D314719-0E71-4698-8C23-E35869B206CD}"/>
+    <pc:docChg chg="addSld delSld modSld sldOrd">
+      <pc:chgData name="JUAN JOSE IBARRA" userId="bf24e59b0a992481" providerId="LiveId" clId="{7D314719-0E71-4698-8C23-E35869B206CD}" dt="2022-02-21T18:53:01.087" v="5"/>
+      <pc:docMkLst>
+        <pc:docMk/>
+      </pc:docMkLst>
+      <pc:sldChg chg="del">
+        <pc:chgData name="JUAN JOSE IBARRA" userId="bf24e59b0a992481" providerId="LiveId" clId="{7D314719-0E71-4698-8C23-E35869B206CD}" dt="2022-02-21T18:52:45.981" v="3" actId="47"/>
+        <pc:sldMkLst>
+          <pc:docMk/>
+          <pc:sldMk cId="1096597413" sldId="256"/>
+        </pc:sldMkLst>
+      </pc:sldChg>
+      <pc:sldChg chg="ord">
+        <pc:chgData name="JUAN JOSE IBARRA" userId="bf24e59b0a992481" providerId="LiveId" clId="{7D314719-0E71-4698-8C23-E35869B206CD}" dt="2022-02-21T18:53:01.087" v="5"/>
+        <pc:sldMkLst>
+          <pc:docMk/>
+          <pc:sldMk cId="1631847272" sldId="263"/>
+        </pc:sldMkLst>
+      </pc:sldChg>
+      <pc:sldChg chg="add ord">
+        <pc:chgData name="JUAN JOSE IBARRA" userId="bf24e59b0a992481" providerId="LiveId" clId="{7D314719-0E71-4698-8C23-E35869B206CD}" dt="2022-02-21T18:52:44.301" v="2"/>
+        <pc:sldMkLst>
+          <pc:docMk/>
+          <pc:sldMk cId="3679974320" sldId="266"/>
+        </pc:sldMkLst>
+      </pc:sldChg>
+    </pc:docChg>
+  </pc:docChgLst>
+</pc:chgInfo>
+</file>
+
 <file path=ppt/slideLayouts/slideLayout1.xml><?xml version="1.0" encoding="utf-8"?>
 <p:sldLayout xmlns:a="http://schemas.openxmlformats.org/drawingml/2006/main" xmlns:r="http://schemas.openxmlformats.org/officeDocument/2006/relationships" xmlns:p="http://schemas.openxmlformats.org/presentationml/2006/main" type="title" preserve="1">
   <p:cSld name="Diapositiva de título">
@@ -251,7 +294,7 @@
           <a:p>
             <a:fld id="{12EA419E-BB00-4678-9820-84144A3F6F44}" type="datetimeFigureOut">
               <a:rPr lang="es-CO" smtClean="0"/>
-              <a:t>20/08/2021</a:t>
+              <a:t>21/02/2022</a:t>
             </a:fld>
             <a:endParaRPr lang="es-CO"/>
           </a:p>
@@ -421,7 +464,7 @@
           <a:p>
             <a:fld id="{12EA419E-BB00-4678-9820-84144A3F6F44}" type="datetimeFigureOut">
               <a:rPr lang="es-CO" smtClean="0"/>
-              <a:t>20/08/2021</a:t>
+              <a:t>21/02/2022</a:t>
             </a:fld>
             <a:endParaRPr lang="es-CO"/>
           </a:p>
@@ -601,7 +644,7 @@
           <a:p>
             <a:fld id="{12EA419E-BB00-4678-9820-84144A3F6F44}" type="datetimeFigureOut">
               <a:rPr lang="es-CO" smtClean="0"/>
-              <a:t>20/08/2021</a:t>
+              <a:t>21/02/2022</a:t>
             </a:fld>
             <a:endParaRPr lang="es-CO"/>
           </a:p>
@@ -771,7 +814,7 @@
           <a:p>
             <a:fld id="{12EA419E-BB00-4678-9820-84144A3F6F44}" type="datetimeFigureOut">
               <a:rPr lang="es-CO" smtClean="0"/>
-              <a:t>20/08/2021</a:t>
+              <a:t>21/02/2022</a:t>
             </a:fld>
             <a:endParaRPr lang="es-CO"/>
           </a:p>
@@ -1017,7 +1060,7 @@
           <a:p>
             <a:fld id="{12EA419E-BB00-4678-9820-84144A3F6F44}" type="datetimeFigureOut">
               <a:rPr lang="es-CO" smtClean="0"/>
-              <a:t>20/08/2021</a:t>
+              <a:t>21/02/2022</a:t>
             </a:fld>
             <a:endParaRPr lang="es-CO"/>
           </a:p>
@@ -1249,7 +1292,7 @@
           <a:p>
             <a:fld id="{12EA419E-BB00-4678-9820-84144A3F6F44}" type="datetimeFigureOut">
               <a:rPr lang="es-CO" smtClean="0"/>
-              <a:t>20/08/2021</a:t>
+              <a:t>21/02/2022</a:t>
             </a:fld>
             <a:endParaRPr lang="es-CO"/>
           </a:p>
@@ -1616,7 +1659,7 @@
           <a:p>
             <a:fld id="{12EA419E-BB00-4678-9820-84144A3F6F44}" type="datetimeFigureOut">
               <a:rPr lang="es-CO" smtClean="0"/>
-              <a:t>20/08/2021</a:t>
+              <a:t>21/02/2022</a:t>
             </a:fld>
             <a:endParaRPr lang="es-CO"/>
           </a:p>
@@ -1734,7 +1777,7 @@
           <a:p>
             <a:fld id="{12EA419E-BB00-4678-9820-84144A3F6F44}" type="datetimeFigureOut">
               <a:rPr lang="es-CO" smtClean="0"/>
-              <a:t>20/08/2021</a:t>
+              <a:t>21/02/2022</a:t>
             </a:fld>
             <a:endParaRPr lang="es-CO"/>
           </a:p>
@@ -1829,7 +1872,7 @@
           <a:p>
             <a:fld id="{12EA419E-BB00-4678-9820-84144A3F6F44}" type="datetimeFigureOut">
               <a:rPr lang="es-CO" smtClean="0"/>
-              <a:t>20/08/2021</a:t>
+              <a:t>21/02/2022</a:t>
             </a:fld>
             <a:endParaRPr lang="es-CO"/>
           </a:p>
@@ -2106,7 +2149,7 @@
           <a:p>
             <a:fld id="{12EA419E-BB00-4678-9820-84144A3F6F44}" type="datetimeFigureOut">
               <a:rPr lang="es-CO" smtClean="0"/>
-              <a:t>20/08/2021</a:t>
+              <a:t>21/02/2022</a:t>
             </a:fld>
             <a:endParaRPr lang="es-CO"/>
           </a:p>
@@ -2359,7 +2402,7 @@
           <a:p>
             <a:fld id="{12EA419E-BB00-4678-9820-84144A3F6F44}" type="datetimeFigureOut">
               <a:rPr lang="es-CO" smtClean="0"/>
-              <a:t>20/08/2021</a:t>
+              <a:t>21/02/2022</a:t>
             </a:fld>
             <a:endParaRPr lang="es-CO"/>
           </a:p>
@@ -2572,7 +2615,7 @@
           <a:p>
             <a:fld id="{12EA419E-BB00-4678-9820-84144A3F6F44}" type="datetimeFigureOut">
               <a:rPr lang="es-CO" smtClean="0"/>
-              <a:t>20/08/2021</a:t>
+              <a:t>21/02/2022</a:t>
             </a:fld>
             <a:endParaRPr lang="es-CO"/>
           </a:p>
@@ -2979,30 +3022,21 @@
       </p:grpSpPr>
       <p:pic>
         <p:nvPicPr>
-          <p:cNvPr id="1026" name="Picture 2" descr="https://scontent.feoh1-1.fna.fbcdn.net/v/t31.0-8/27629182_10214958708498131_5147829584061962647_o.jpg?_nc_cat=100&amp;_nc_sid=cdbe9c&amp;_nc_ohc=CqTR0cGmUCEAX9yBJ7g&amp;_nc_ht=scontent.feoh1-1.fna&amp;oh=91d84374e45641b275ece271a7a54992&amp;oe=5F53A22C"/>
+          <p:cNvPr id="1026" name="Picture 2"/>
           <p:cNvPicPr>
             <a:picLocks noChangeAspect="1" noChangeArrowheads="1"/>
           </p:cNvPicPr>
           <p:nvPr/>
         </p:nvPicPr>
-        <p:blipFill rotWithShape="1">
+        <p:blipFill>
           <a:blip r:embed="rId2">
             <a:extLst>
-              <a:ext uri="{BEBA8EAE-BF5A-486C-A8C5-ECC9F3942E4B}">
-                <a14:imgProps xmlns:a14="http://schemas.microsoft.com/office/drawing/2010/main">
-                  <a14:imgLayer r:embed="rId3">
-                    <a14:imgEffect>
-                      <a14:saturation sat="66000"/>
-                    </a14:imgEffect>
-                  </a14:imgLayer>
-                </a14:imgProps>
-              </a:ext>
               <a:ext uri="{28A0092B-C50C-407E-A947-70E740481C1C}">
                 <a14:useLocalDpi xmlns:a14="http://schemas.microsoft.com/office/drawing/2010/main" val="0"/>
               </a:ext>
             </a:extLst>
           </a:blip>
-          <a:srcRect b="12560"/>
+          <a:srcRect t="7870" b="7870"/>
           <a:stretch/>
         </p:blipFill>
         <p:spPr bwMode="auto">
@@ -3334,8 +3368,37 @@
           <a:bodyPr rtlCol="0" anchor="ctr"/>
           <a:lstStyle/>
           <a:p>
-            <a:pPr algn="ctr"/>
-            <a:endParaRPr lang="es-CO"/>
+            <a:pPr marL="0" marR="0" lvl="0" indent="0" algn="ctr" defTabSz="914400" rtl="0" eaLnBrk="1" fontAlgn="auto" latinLnBrk="0" hangingPunct="1">
+              <a:lnSpc>
+                <a:spcPct val="100000"/>
+              </a:lnSpc>
+              <a:spcBef>
+                <a:spcPts val="0"/>
+              </a:spcBef>
+              <a:spcAft>
+                <a:spcPts val="0"/>
+              </a:spcAft>
+              <a:buClrTx/>
+              <a:buSzTx/>
+              <a:buFontTx/>
+              <a:buNone/>
+              <a:tabLst/>
+              <a:defRPr/>
+            </a:pPr>
+            <a:endParaRPr kumimoji="0" lang="es-CO" sz="1800" b="0" i="0" u="none" strike="noStrike" kern="1200" cap="none" spc="0" normalizeH="0" baseline="0" noProof="0">
+              <a:ln>
+                <a:noFill/>
+              </a:ln>
+              <a:solidFill>
+                <a:prstClr val="black"/>
+              </a:solidFill>
+              <a:effectLst/>
+              <a:uLnTx/>
+              <a:uFillTx/>
+              <a:latin typeface="Calibri" panose="020F0502020204030204"/>
+              <a:ea typeface="+mn-ea"/>
+              <a:cs typeface="+mn-cs"/>
+            </a:endParaRPr>
           </a:p>
         </p:txBody>
       </p:sp>
@@ -3361,14 +3424,53 @@
           </a:bodyPr>
           <a:lstStyle/>
           <a:p>
-            <a:r>
-              <a:rPr lang="es-ES" sz="7200" b="1" dirty="0">
+            <a:pPr marL="0" marR="0" lvl="0" indent="0" algn="l" defTabSz="914400" rtl="0" eaLnBrk="1" fontAlgn="auto" latinLnBrk="0" hangingPunct="1">
+              <a:lnSpc>
+                <a:spcPct val="100000"/>
+              </a:lnSpc>
+              <a:spcBef>
+                <a:spcPts val="0"/>
+              </a:spcBef>
+              <a:spcAft>
+                <a:spcPts val="0"/>
+              </a:spcAft>
+              <a:buClrTx/>
+              <a:buSzTx/>
+              <a:buFontTx/>
+              <a:buNone/>
+              <a:tabLst/>
+              <a:defRPr/>
+            </a:pPr>
+            <a:r>
+              <a:rPr kumimoji="0" lang="es-ES" sz="7200" b="1" i="0" u="none" strike="noStrike" kern="1200" cap="none" spc="0" normalizeH="0" baseline="0" noProof="0" dirty="0">
+                <a:ln>
+                  <a:noFill/>
+                </a:ln>
+                <a:solidFill>
+                  <a:prstClr val="black"/>
+                </a:solidFill>
+                <a:effectLst/>
+                <a:uLnTx/>
+                <a:uFillTx/>
                 <a:latin typeface="Bahnschrift Condensed" panose="020B0502040204020203" pitchFamily="34" charset="0"/>
+                <a:ea typeface="+mn-ea"/>
+                <a:cs typeface="+mn-cs"/>
               </a:rPr>
               <a:t>LÓGICA DE</a:t>
             </a:r>
-            <a:endParaRPr lang="es-CO" sz="7200" b="1" dirty="0">
+            <a:endParaRPr kumimoji="0" lang="es-CO" sz="7200" b="1" i="0" u="none" strike="noStrike" kern="1200" cap="none" spc="0" normalizeH="0" baseline="0" noProof="0" dirty="0">
+              <a:ln>
+                <a:noFill/>
+              </a:ln>
+              <a:solidFill>
+                <a:prstClr val="black"/>
+              </a:solidFill>
+              <a:effectLst/>
+              <a:uLnTx/>
+              <a:uFillTx/>
               <a:latin typeface="Bahnschrift Condensed" panose="020B0502040204020203" pitchFamily="34" charset="0"/>
+              <a:ea typeface="+mn-ea"/>
+              <a:cs typeface="+mn-cs"/>
             </a:endParaRPr>
           </a:p>
         </p:txBody>
@@ -3395,24 +3497,57 @@
           </a:bodyPr>
           <a:lstStyle/>
           <a:p>
-            <a:r>
-              <a:rPr lang="es-ES" sz="4400" b="1" dirty="0">
+            <a:pPr marL="0" marR="0" lvl="0" indent="0" algn="l" defTabSz="914400" rtl="0" eaLnBrk="1" fontAlgn="auto" latinLnBrk="0" hangingPunct="1">
+              <a:lnSpc>
+                <a:spcPct val="100000"/>
+              </a:lnSpc>
+              <a:spcBef>
+                <a:spcPts val="0"/>
+              </a:spcBef>
+              <a:spcAft>
+                <a:spcPts val="0"/>
+              </a:spcAft>
+              <a:buClrTx/>
+              <a:buSzTx/>
+              <a:buFontTx/>
+              <a:buNone/>
+              <a:tabLst/>
+              <a:defRPr/>
+            </a:pPr>
+            <a:r>
+              <a:rPr kumimoji="0" lang="es-ES" sz="4400" b="1" i="0" u="none" strike="noStrike" kern="1200" cap="none" spc="0" normalizeH="0" baseline="0" noProof="0" dirty="0">
+                <a:ln>
+                  <a:noFill/>
+                </a:ln>
                 <a:solidFill>
-                  <a:schemeClr val="accent6">
+                  <a:srgbClr val="70AD47">
                     <a:lumMod val="75000"/>
-                  </a:schemeClr>
+                  </a:srgbClr>
                 </a:solidFill>
+                <a:effectLst/>
+                <a:uLnTx/>
+                <a:uFillTx/>
                 <a:latin typeface="Bahnschrift Condensed" panose="020B0502040204020203" pitchFamily="34" charset="0"/>
+                <a:ea typeface="+mn-ea"/>
+                <a:cs typeface="+mn-cs"/>
               </a:rPr>
               <a:t>PASCUAL BRAVO</a:t>
             </a:r>
-            <a:endParaRPr lang="es-CO" sz="4400" b="1" dirty="0">
+            <a:endParaRPr kumimoji="0" lang="es-CO" sz="4400" b="1" i="0" u="none" strike="noStrike" kern="1200" cap="none" spc="0" normalizeH="0" baseline="0" noProof="0" dirty="0">
+              <a:ln>
+                <a:noFill/>
+              </a:ln>
               <a:solidFill>
-                <a:schemeClr val="accent6">
+                <a:srgbClr val="70AD47">
                   <a:lumMod val="75000"/>
-                </a:schemeClr>
+                </a:srgbClr>
               </a:solidFill>
+              <a:effectLst/>
+              <a:uLnTx/>
+              <a:uFillTx/>
               <a:latin typeface="Bahnschrift Condensed" panose="020B0502040204020203" pitchFamily="34" charset="0"/>
+              <a:ea typeface="+mn-ea"/>
+              <a:cs typeface="+mn-cs"/>
             </a:endParaRPr>
           </a:p>
         </p:txBody>
@@ -3439,25 +3574,55 @@
           </a:bodyPr>
           <a:lstStyle/>
           <a:p>
-            <a:r>
-              <a:rPr lang="es-ES" sz="3200" b="1" dirty="0">
+            <a:pPr marL="0" marR="0" lvl="0" indent="0" algn="l" defTabSz="914400" rtl="0" eaLnBrk="1" fontAlgn="auto" latinLnBrk="0" hangingPunct="1">
+              <a:lnSpc>
+                <a:spcPct val="100000"/>
+              </a:lnSpc>
+              <a:spcBef>
+                <a:spcPts val="0"/>
+              </a:spcBef>
+              <a:spcAft>
+                <a:spcPts val="0"/>
+              </a:spcAft>
+              <a:buClrTx/>
+              <a:buSzTx/>
+              <a:buFontTx/>
+              <a:buNone/>
+              <a:tabLst/>
+              <a:defRPr/>
+            </a:pPr>
+            <a:r>
+              <a:rPr kumimoji="0" lang="es-ES" sz="3200" b="1" i="0" u="none" strike="noStrike" kern="1200" cap="none" spc="0" normalizeH="0" baseline="0" noProof="0" dirty="0">
+                <a:ln>
+                  <a:noFill/>
+                </a:ln>
+                <a:solidFill>
+                  <a:prstClr val="black"/>
+                </a:solidFill>
+                <a:effectLst/>
+                <a:uLnTx/>
+                <a:uFillTx/>
                 <a:latin typeface="Bahnschrift Condensed" panose="020B0502040204020203" pitchFamily="34" charset="0"/>
+                <a:ea typeface="+mn-ea"/>
+                <a:cs typeface="+mn-cs"/>
               </a:rPr>
-              <a:t>2021 </a:t>
-            </a:r>
-            <a:r>
-              <a:rPr lang="es-ES" sz="3200" b="1">
-                <a:latin typeface="Bahnschrift Condensed" panose="020B0502040204020203" pitchFamily="34" charset="0"/>
-              </a:rPr>
-              <a:t>- 2</a:t>
-            </a:r>
-            <a:endParaRPr lang="es-CO" sz="3200" b="1" dirty="0">
+              <a:t>2022 - 1</a:t>
+            </a:r>
+            <a:endParaRPr kumimoji="0" lang="es-CO" sz="3200" b="1" i="0" u="none" strike="noStrike" kern="1200" cap="none" spc="0" normalizeH="0" baseline="0" noProof="0" dirty="0">
+              <a:ln>
+                <a:noFill/>
+              </a:ln>
               <a:solidFill>
-                <a:schemeClr val="accent6">
+                <a:srgbClr val="70AD47">
                   <a:lumMod val="75000"/>
-                </a:schemeClr>
+                </a:srgbClr>
               </a:solidFill>
+              <a:effectLst/>
+              <a:uLnTx/>
+              <a:uFillTx/>
               <a:latin typeface="Bahnschrift Condensed" panose="020B0502040204020203" pitchFamily="34" charset="0"/>
+              <a:ea typeface="+mn-ea"/>
+              <a:cs typeface="+mn-cs"/>
             </a:endParaRPr>
           </a:p>
         </p:txBody>
@@ -3483,14 +3648,53 @@
           </a:bodyPr>
           <a:lstStyle/>
           <a:p>
-            <a:r>
-              <a:rPr lang="es-ES" sz="7200" b="1" dirty="0">
+            <a:pPr marL="0" marR="0" lvl="0" indent="0" algn="l" defTabSz="914400" rtl="0" eaLnBrk="1" fontAlgn="auto" latinLnBrk="0" hangingPunct="1">
+              <a:lnSpc>
+                <a:spcPct val="100000"/>
+              </a:lnSpc>
+              <a:spcBef>
+                <a:spcPts val="0"/>
+              </a:spcBef>
+              <a:spcAft>
+                <a:spcPts val="0"/>
+              </a:spcAft>
+              <a:buClrTx/>
+              <a:buSzTx/>
+              <a:buFontTx/>
+              <a:buNone/>
+              <a:tabLst/>
+              <a:defRPr/>
+            </a:pPr>
+            <a:r>
+              <a:rPr kumimoji="0" lang="es-ES" sz="7200" b="1" i="0" u="none" strike="noStrike" kern="1200" cap="none" spc="0" normalizeH="0" baseline="0" noProof="0" dirty="0">
+                <a:ln>
+                  <a:noFill/>
+                </a:ln>
+                <a:solidFill>
+                  <a:prstClr val="black"/>
+                </a:solidFill>
+                <a:effectLst/>
+                <a:uLnTx/>
+                <a:uFillTx/>
                 <a:latin typeface="Bahnschrift Condensed" panose="020B0502040204020203" pitchFamily="34" charset="0"/>
+                <a:ea typeface="+mn-ea"/>
+                <a:cs typeface="+mn-cs"/>
               </a:rPr>
               <a:t>PROGRAMACIÓN</a:t>
             </a:r>
-            <a:endParaRPr lang="es-CO" sz="7200" b="1" dirty="0">
+            <a:endParaRPr kumimoji="0" lang="es-CO" sz="7200" b="1" i="0" u="none" strike="noStrike" kern="1200" cap="none" spc="0" normalizeH="0" baseline="0" noProof="0" dirty="0">
+              <a:ln>
+                <a:noFill/>
+              </a:ln>
+              <a:solidFill>
+                <a:prstClr val="black"/>
+              </a:solidFill>
+              <a:effectLst/>
+              <a:uLnTx/>
+              <a:uFillTx/>
               <a:latin typeface="Bahnschrift Condensed" panose="020B0502040204020203" pitchFamily="34" charset="0"/>
+              <a:ea typeface="+mn-ea"/>
+              <a:cs typeface="+mn-cs"/>
             </a:endParaRPr>
           </a:p>
         </p:txBody>
@@ -3498,7 +3702,7 @@
     </p:spTree>
     <p:extLst>
       <p:ext uri="{BB962C8B-B14F-4D97-AF65-F5344CB8AC3E}">
-        <p14:creationId xmlns:p14="http://schemas.microsoft.com/office/powerpoint/2010/main" val="1096597413"/>
+        <p14:creationId xmlns:p14="http://schemas.microsoft.com/office/powerpoint/2010/main" val="3679974320"/>
       </p:ext>
     </p:extLst>
   </p:cSld>
@@ -3731,111 +3935,40 @@
           <a:chExt cx="0" cy="0"/>
         </a:xfrm>
       </p:grpSpPr>
-      <p:pic>
-        <p:nvPicPr>
-          <p:cNvPr id="2" name="Imagen 1"/>
-          <p:cNvPicPr>
-            <a:picLocks noChangeAspect="1"/>
-          </p:cNvPicPr>
+      <p:sp>
+        <p:nvSpPr>
+          <p:cNvPr id="2" name="CuadroTexto 1"/>
+          <p:cNvSpPr txBox="1"/>
           <p:nvPr/>
-        </p:nvPicPr>
-        <p:blipFill>
-          <a:blip r:embed="rId2"/>
-          <a:stretch>
-            <a:fillRect/>
-          </a:stretch>
-        </p:blipFill>
-        <p:spPr>
-          <a:xfrm>
-            <a:off x="121848" y="90274"/>
-            <a:ext cx="6745237" cy="1880028"/>
+        </p:nvSpPr>
+        <p:spPr>
+          <a:xfrm>
+            <a:off x="1941341" y="2067951"/>
+            <a:ext cx="8412480" cy="3046988"/>
           </a:xfrm>
           <a:prstGeom prst="rect">
             <a:avLst/>
           </a:prstGeom>
-        </p:spPr>
-      </p:pic>
-      <p:pic>
-        <p:nvPicPr>
-          <p:cNvPr id="3" name="Imagen 2"/>
-          <p:cNvPicPr>
-            <a:picLocks noChangeAspect="1"/>
-          </p:cNvPicPr>
-          <p:nvPr/>
-        </p:nvPicPr>
-        <p:blipFill>
-          <a:blip r:embed="rId2"/>
-          <a:stretch>
-            <a:fillRect/>
-          </a:stretch>
-        </p:blipFill>
-        <p:spPr>
-          <a:xfrm rot="10800000">
-            <a:off x="5446763" y="4855457"/>
-            <a:ext cx="6745237" cy="1880028"/>
-          </a:xfrm>
-          <a:prstGeom prst="rect">
-            <a:avLst/>
-          </a:prstGeom>
-        </p:spPr>
-      </p:pic>
-      <p:sp>
-        <p:nvSpPr>
-          <p:cNvPr id="4" name="Rectángulo 3"/>
-          <p:cNvSpPr/>
-          <p:nvPr/>
-        </p:nvSpPr>
-        <p:spPr>
-          <a:xfrm>
-            <a:off x="1096762" y="2726489"/>
-            <a:ext cx="10527392" cy="3108543"/>
-          </a:xfrm>
-          <a:prstGeom prst="rect">
-            <a:avLst/>
-          </a:prstGeom>
-        </p:spPr>
-        <p:txBody>
-          <a:bodyPr wrap="square">
+          <a:noFill/>
+        </p:spPr>
+        <p:txBody>
+          <a:bodyPr wrap="square" rtlCol="0">
             <a:spAutoFit/>
           </a:bodyPr>
           <a:lstStyle/>
           <a:p>
-            <a:pPr algn="just"/>
-            <a:r>
-              <a:rPr lang="es-ES" sz="2800" dirty="0"/>
-              <a:t>Supongamos que un hacker malicioso programó un virus informático que luego de introducirse al PC por una USB infectada, daña el doble de archivos  cada minuto. Es decir, en el primer minuto daña un archivo; en el segundo a dos; en el tercero a cuatro,  etcétera. El virus se introdujo en una computadora a las 8:00 y a las 14:00 ya había destruido todos los  archivos. ¿A qué hora había destruido la mitad de los archivos?</a:t>
-            </a:r>
-          </a:p>
-        </p:txBody>
-      </p:sp>
-      <p:pic>
-        <p:nvPicPr>
-          <p:cNvPr id="5" name="Imagen 4"/>
-          <p:cNvPicPr>
-            <a:picLocks noChangeAspect="1"/>
-          </p:cNvPicPr>
-          <p:nvPr/>
-        </p:nvPicPr>
-        <p:blipFill>
-          <a:blip r:embed="rId3"/>
-          <a:stretch>
-            <a:fillRect/>
-          </a:stretch>
-        </p:blipFill>
-        <p:spPr>
-          <a:xfrm>
-            <a:off x="6989524" y="210095"/>
-            <a:ext cx="3216188" cy="2658715"/>
-          </a:xfrm>
-          <a:prstGeom prst="rect">
-            <a:avLst/>
-          </a:prstGeom>
-        </p:spPr>
-      </p:pic>
+            <a:pPr algn="ctr"/>
+            <a:r>
+              <a:rPr lang="es-CO" sz="9600" dirty="0"/>
+              <a:t>PREPARAR UN DESAYUNO</a:t>
+            </a:r>
+          </a:p>
+        </p:txBody>
+      </p:sp>
     </p:spTree>
     <p:extLst>
       <p:ext uri="{BB962C8B-B14F-4D97-AF65-F5344CB8AC3E}">
-        <p14:creationId xmlns:p14="http://schemas.microsoft.com/office/powerpoint/2010/main" val="3113052276"/>
+        <p14:creationId xmlns:p14="http://schemas.microsoft.com/office/powerpoint/2010/main" val="1631847272"/>
       </p:ext>
     </p:extLst>
   </p:cSld>
@@ -3918,6 +4051,137 @@
         </p:nvSpPr>
         <p:spPr>
           <a:xfrm>
+            <a:off x="1096762" y="2726489"/>
+            <a:ext cx="10527392" cy="3108543"/>
+          </a:xfrm>
+          <a:prstGeom prst="rect">
+            <a:avLst/>
+          </a:prstGeom>
+        </p:spPr>
+        <p:txBody>
+          <a:bodyPr wrap="square">
+            <a:spAutoFit/>
+          </a:bodyPr>
+          <a:lstStyle/>
+          <a:p>
+            <a:pPr algn="just"/>
+            <a:r>
+              <a:rPr lang="es-ES" sz="2800" dirty="0"/>
+              <a:t>Supongamos que un hacker malicioso programó un virus informático que luego de introducirse al PC por una USB infectada, daña el doble de archivos  cada minuto. Es decir, en el primer minuto daña un archivo; en el segundo a dos; en el tercero a cuatro,  etcétera. El virus se introdujo en una computadora a las 8:00 y a las 14:00 ya había destruido todos los  archivos. ¿A qué hora había destruido la mitad de los archivos?</a:t>
+            </a:r>
+          </a:p>
+        </p:txBody>
+      </p:sp>
+      <p:pic>
+        <p:nvPicPr>
+          <p:cNvPr id="5" name="Imagen 4"/>
+          <p:cNvPicPr>
+            <a:picLocks noChangeAspect="1"/>
+          </p:cNvPicPr>
+          <p:nvPr/>
+        </p:nvPicPr>
+        <p:blipFill>
+          <a:blip r:embed="rId3"/>
+          <a:stretch>
+            <a:fillRect/>
+          </a:stretch>
+        </p:blipFill>
+        <p:spPr>
+          <a:xfrm>
+            <a:off x="6989524" y="210095"/>
+            <a:ext cx="3216188" cy="2658715"/>
+          </a:xfrm>
+          <a:prstGeom prst="rect">
+            <a:avLst/>
+          </a:prstGeom>
+        </p:spPr>
+      </p:pic>
+    </p:spTree>
+    <p:extLst>
+      <p:ext uri="{BB962C8B-B14F-4D97-AF65-F5344CB8AC3E}">
+        <p14:creationId xmlns:p14="http://schemas.microsoft.com/office/powerpoint/2010/main" val="3113052276"/>
+      </p:ext>
+    </p:extLst>
+  </p:cSld>
+  <p:clrMapOvr>
+    <a:masterClrMapping/>
+  </p:clrMapOvr>
+</p:sld>
+</file>
+
+<file path=ppt/slides/slide6.xml><?xml version="1.0" encoding="utf-8"?>
+<p:sld xmlns:a="http://schemas.openxmlformats.org/drawingml/2006/main" xmlns:r="http://schemas.openxmlformats.org/officeDocument/2006/relationships" xmlns:p="http://schemas.openxmlformats.org/presentationml/2006/main">
+  <p:cSld>
+    <p:spTree>
+      <p:nvGrpSpPr>
+        <p:cNvPr id="1" name=""/>
+        <p:cNvGrpSpPr/>
+        <p:nvPr/>
+      </p:nvGrpSpPr>
+      <p:grpSpPr>
+        <a:xfrm>
+          <a:off x="0" y="0"/>
+          <a:ext cx="0" cy="0"/>
+          <a:chOff x="0" y="0"/>
+          <a:chExt cx="0" cy="0"/>
+        </a:xfrm>
+      </p:grpSpPr>
+      <p:pic>
+        <p:nvPicPr>
+          <p:cNvPr id="2" name="Imagen 1"/>
+          <p:cNvPicPr>
+            <a:picLocks noChangeAspect="1"/>
+          </p:cNvPicPr>
+          <p:nvPr/>
+        </p:nvPicPr>
+        <p:blipFill>
+          <a:blip r:embed="rId2"/>
+          <a:stretch>
+            <a:fillRect/>
+          </a:stretch>
+        </p:blipFill>
+        <p:spPr>
+          <a:xfrm>
+            <a:off x="121848" y="90274"/>
+            <a:ext cx="6745237" cy="1880028"/>
+          </a:xfrm>
+          <a:prstGeom prst="rect">
+            <a:avLst/>
+          </a:prstGeom>
+        </p:spPr>
+      </p:pic>
+      <p:pic>
+        <p:nvPicPr>
+          <p:cNvPr id="3" name="Imagen 2"/>
+          <p:cNvPicPr>
+            <a:picLocks noChangeAspect="1"/>
+          </p:cNvPicPr>
+          <p:nvPr/>
+        </p:nvPicPr>
+        <p:blipFill>
+          <a:blip r:embed="rId2"/>
+          <a:stretch>
+            <a:fillRect/>
+          </a:stretch>
+        </p:blipFill>
+        <p:spPr>
+          <a:xfrm rot="10800000">
+            <a:off x="5446763" y="4855457"/>
+            <a:ext cx="6745237" cy="1880028"/>
+          </a:xfrm>
+          <a:prstGeom prst="rect">
+            <a:avLst/>
+          </a:prstGeom>
+        </p:spPr>
+      </p:pic>
+      <p:sp>
+        <p:nvSpPr>
+          <p:cNvPr id="4" name="Rectángulo 3"/>
+          <p:cNvSpPr/>
+          <p:nvPr/>
+        </p:nvSpPr>
+        <p:spPr>
+          <a:xfrm>
             <a:off x="3205309" y="1201165"/>
             <a:ext cx="8018011" cy="1200329"/>
           </a:xfrm>
@@ -4220,7 +4484,7 @@
 </p:sld>
 </file>
 
-<file path=ppt/slides/slide6.xml><?xml version="1.0" encoding="utf-8"?>
+<file path=ppt/slides/slide7.xml><?xml version="1.0" encoding="utf-8"?>
 <p:sld xmlns:a="http://schemas.openxmlformats.org/drawingml/2006/main" xmlns:r="http://schemas.openxmlformats.org/officeDocument/2006/relationships" xmlns:p="http://schemas.openxmlformats.org/presentationml/2006/main">
   <p:cSld>
     <p:spTree>
@@ -4466,66 +4730,6 @@
       </p:par>
     </p:tnLst>
   </p:timing>
-</p:sld>
-</file>
-
-<file path=ppt/slides/slide7.xml><?xml version="1.0" encoding="utf-8"?>
-<p:sld xmlns:a="http://schemas.openxmlformats.org/drawingml/2006/main" xmlns:r="http://schemas.openxmlformats.org/officeDocument/2006/relationships" xmlns:p="http://schemas.openxmlformats.org/presentationml/2006/main">
-  <p:cSld>
-    <p:spTree>
-      <p:nvGrpSpPr>
-        <p:cNvPr id="1" name=""/>
-        <p:cNvGrpSpPr/>
-        <p:nvPr/>
-      </p:nvGrpSpPr>
-      <p:grpSpPr>
-        <a:xfrm>
-          <a:off x="0" y="0"/>
-          <a:ext cx="0" cy="0"/>
-          <a:chOff x="0" y="0"/>
-          <a:chExt cx="0" cy="0"/>
-        </a:xfrm>
-      </p:grpSpPr>
-      <p:sp>
-        <p:nvSpPr>
-          <p:cNvPr id="2" name="CuadroTexto 1"/>
-          <p:cNvSpPr txBox="1"/>
-          <p:nvPr/>
-        </p:nvSpPr>
-        <p:spPr>
-          <a:xfrm>
-            <a:off x="1941341" y="2067951"/>
-            <a:ext cx="8412480" cy="3046988"/>
-          </a:xfrm>
-          <a:prstGeom prst="rect">
-            <a:avLst/>
-          </a:prstGeom>
-          <a:noFill/>
-        </p:spPr>
-        <p:txBody>
-          <a:bodyPr wrap="square" rtlCol="0">
-            <a:spAutoFit/>
-          </a:bodyPr>
-          <a:lstStyle/>
-          <a:p>
-            <a:pPr algn="ctr"/>
-            <a:r>
-              <a:rPr lang="es-CO" sz="9600" dirty="0"/>
-              <a:t>PREPARAR UN DESAYUNO</a:t>
-            </a:r>
-          </a:p>
-        </p:txBody>
-      </p:sp>
-    </p:spTree>
-    <p:extLst>
-      <p:ext uri="{BB962C8B-B14F-4D97-AF65-F5344CB8AC3E}">
-        <p14:creationId xmlns:p14="http://schemas.microsoft.com/office/powerpoint/2010/main" val="1631847272"/>
-      </p:ext>
-    </p:extLst>
-  </p:cSld>
-  <p:clrMapOvr>
-    <a:masterClrMapping/>
-  </p:clrMapOvr>
 </p:sld>
 </file>
 
